--- a/templates/royforge-sample.pptx
+++ b/templates/royforge-sample.pptx
@@ -5,8 +5,7 @@
     <p:sldMasterId id="2147483648" r:id="rId1"/>
   </p:sldMasterIdLst>
   <p:sldIdLst>
-    <p:sldId id="256" r:id="rId2"/>
-    <p:sldId id="257" r:id="rId3"/>
+    <p:sldId id="257" r:id="rId2"/>
   </p:sldIdLst>
   <p:sldSz cx="12192000" cy="6858000"/>
   <p:notesSz cx="6858000" cy="9144000"/>
@@ -237,89 +236,6 @@
           </a:p>
         </p:txBody>
       </p:sp>
-      <p:sp>
-        <p:nvSpPr>
-          <p:cNvPr id="4" name="Date Placeholder 3">
-            <a:extLst>
-              <a:ext uri="{FF2B5EF4-FFF2-40B4-BE49-F238E27FC236}">
-                <a16:creationId xmlns:a16="http://schemas.microsoft.com/office/drawing/2014/main" id="{18977060-BFA0-0646-B295-589460C2943F}"/>
-              </a:ext>
-            </a:extLst>
-          </p:cNvPr>
-          <p:cNvSpPr>
-            <a:spLocks noGrp="1"/>
-          </p:cNvSpPr>
-          <p:nvPr>
-            <p:ph type="dt" sz="half" idx="10"/>
-          </p:nvPr>
-        </p:nvSpPr>
-        <p:spPr/>
-        <p:txBody>
-          <a:bodyPr/>
-          <a:lstStyle/>
-          <a:p>
-            <a:fld id="{5C73B5FE-B7A4-5348-9915-7728FCC65B37}" type="datetimeFigureOut">
-              <a:rPr lang="en-US" smtClean="0"/>
-              <a:t>8/30/20</a:t>
-            </a:fld>
-            <a:endParaRPr lang="en-US"/>
-          </a:p>
-        </p:txBody>
-      </p:sp>
-      <p:sp>
-        <p:nvSpPr>
-          <p:cNvPr id="5" name="Footer Placeholder 4">
-            <a:extLst>
-              <a:ext uri="{FF2B5EF4-FFF2-40B4-BE49-F238E27FC236}">
-                <a16:creationId xmlns:a16="http://schemas.microsoft.com/office/drawing/2014/main" id="{392D416A-51F5-AD47-A964-0B1F7C87036B}"/>
-              </a:ext>
-            </a:extLst>
-          </p:cNvPr>
-          <p:cNvSpPr>
-            <a:spLocks noGrp="1"/>
-          </p:cNvSpPr>
-          <p:nvPr>
-            <p:ph type="ftr" sz="quarter" idx="11"/>
-          </p:nvPr>
-        </p:nvSpPr>
-        <p:spPr/>
-        <p:txBody>
-          <a:bodyPr/>
-          <a:lstStyle/>
-          <a:p>
-            <a:endParaRPr lang="en-US"/>
-          </a:p>
-        </p:txBody>
-      </p:sp>
-      <p:sp>
-        <p:nvSpPr>
-          <p:cNvPr id="6" name="Slide Number Placeholder 5">
-            <a:extLst>
-              <a:ext uri="{FF2B5EF4-FFF2-40B4-BE49-F238E27FC236}">
-                <a16:creationId xmlns:a16="http://schemas.microsoft.com/office/drawing/2014/main" id="{47892316-7713-3545-B669-1A33BC5E47C4}"/>
-              </a:ext>
-            </a:extLst>
-          </p:cNvPr>
-          <p:cNvSpPr>
-            <a:spLocks noGrp="1"/>
-          </p:cNvSpPr>
-          <p:nvPr>
-            <p:ph type="sldNum" sz="quarter" idx="12"/>
-          </p:nvPr>
-        </p:nvSpPr>
-        <p:spPr/>
-        <p:txBody>
-          <a:bodyPr/>
-          <a:lstStyle/>
-          <a:p>
-            <a:fld id="{F34AD779-E2A2-BA43-8C46-0FC13AB1F1AF}" type="slidenum">
-              <a:rPr lang="en-US" smtClean="0"/>
-              <a:t>‹#›</a:t>
-            </a:fld>
-            <a:endParaRPr lang="en-US"/>
-          </a:p>
-        </p:txBody>
-      </p:sp>
     </p:spTree>
     <p:extLst>
       <p:ext uri="{BB962C8B-B14F-4D97-AF65-F5344CB8AC3E}">
@@ -435,89 +351,6 @@
           </a:p>
         </p:txBody>
       </p:sp>
-      <p:sp>
-        <p:nvSpPr>
-          <p:cNvPr id="4" name="Date Placeholder 3">
-            <a:extLst>
-              <a:ext uri="{FF2B5EF4-FFF2-40B4-BE49-F238E27FC236}">
-                <a16:creationId xmlns:a16="http://schemas.microsoft.com/office/drawing/2014/main" id="{135E3C55-1C2F-F14A-AB08-07B14285AF44}"/>
-              </a:ext>
-            </a:extLst>
-          </p:cNvPr>
-          <p:cNvSpPr>
-            <a:spLocks noGrp="1"/>
-          </p:cNvSpPr>
-          <p:nvPr>
-            <p:ph type="dt" sz="half" idx="10"/>
-          </p:nvPr>
-        </p:nvSpPr>
-        <p:spPr/>
-        <p:txBody>
-          <a:bodyPr/>
-          <a:lstStyle/>
-          <a:p>
-            <a:fld id="{5C73B5FE-B7A4-5348-9915-7728FCC65B37}" type="datetimeFigureOut">
-              <a:rPr lang="en-US" smtClean="0"/>
-              <a:t>8/30/20</a:t>
-            </a:fld>
-            <a:endParaRPr lang="en-US"/>
-          </a:p>
-        </p:txBody>
-      </p:sp>
-      <p:sp>
-        <p:nvSpPr>
-          <p:cNvPr id="5" name="Footer Placeholder 4">
-            <a:extLst>
-              <a:ext uri="{FF2B5EF4-FFF2-40B4-BE49-F238E27FC236}">
-                <a16:creationId xmlns:a16="http://schemas.microsoft.com/office/drawing/2014/main" id="{79896A0A-5FB4-924C-B240-DA0F2A3B5CB7}"/>
-              </a:ext>
-            </a:extLst>
-          </p:cNvPr>
-          <p:cNvSpPr>
-            <a:spLocks noGrp="1"/>
-          </p:cNvSpPr>
-          <p:nvPr>
-            <p:ph type="ftr" sz="quarter" idx="11"/>
-          </p:nvPr>
-        </p:nvSpPr>
-        <p:spPr/>
-        <p:txBody>
-          <a:bodyPr/>
-          <a:lstStyle/>
-          <a:p>
-            <a:endParaRPr lang="en-US"/>
-          </a:p>
-        </p:txBody>
-      </p:sp>
-      <p:sp>
-        <p:nvSpPr>
-          <p:cNvPr id="6" name="Slide Number Placeholder 5">
-            <a:extLst>
-              <a:ext uri="{FF2B5EF4-FFF2-40B4-BE49-F238E27FC236}">
-                <a16:creationId xmlns:a16="http://schemas.microsoft.com/office/drawing/2014/main" id="{86A6DA79-8119-274B-B047-7CB416B1ED42}"/>
-              </a:ext>
-            </a:extLst>
-          </p:cNvPr>
-          <p:cNvSpPr>
-            <a:spLocks noGrp="1"/>
-          </p:cNvSpPr>
-          <p:nvPr>
-            <p:ph type="sldNum" sz="quarter" idx="12"/>
-          </p:nvPr>
-        </p:nvSpPr>
-        <p:spPr/>
-        <p:txBody>
-          <a:bodyPr/>
-          <a:lstStyle/>
-          <a:p>
-            <a:fld id="{F34AD779-E2A2-BA43-8C46-0FC13AB1F1AF}" type="slidenum">
-              <a:rPr lang="en-US" smtClean="0"/>
-              <a:t>‹#›</a:t>
-            </a:fld>
-            <a:endParaRPr lang="en-US"/>
-          </a:p>
-        </p:txBody>
-      </p:sp>
     </p:spTree>
     <p:extLst>
       <p:ext uri="{BB962C8B-B14F-4D97-AF65-F5344CB8AC3E}">
@@ -643,89 +476,6 @@
           </a:p>
         </p:txBody>
       </p:sp>
-      <p:sp>
-        <p:nvSpPr>
-          <p:cNvPr id="4" name="Date Placeholder 3">
-            <a:extLst>
-              <a:ext uri="{FF2B5EF4-FFF2-40B4-BE49-F238E27FC236}">
-                <a16:creationId xmlns:a16="http://schemas.microsoft.com/office/drawing/2014/main" id="{0F171056-B7FC-F643-BCC2-D0756B974860}"/>
-              </a:ext>
-            </a:extLst>
-          </p:cNvPr>
-          <p:cNvSpPr>
-            <a:spLocks noGrp="1"/>
-          </p:cNvSpPr>
-          <p:nvPr>
-            <p:ph type="dt" sz="half" idx="10"/>
-          </p:nvPr>
-        </p:nvSpPr>
-        <p:spPr/>
-        <p:txBody>
-          <a:bodyPr/>
-          <a:lstStyle/>
-          <a:p>
-            <a:fld id="{5C73B5FE-B7A4-5348-9915-7728FCC65B37}" type="datetimeFigureOut">
-              <a:rPr lang="en-US" smtClean="0"/>
-              <a:t>8/30/20</a:t>
-            </a:fld>
-            <a:endParaRPr lang="en-US"/>
-          </a:p>
-        </p:txBody>
-      </p:sp>
-      <p:sp>
-        <p:nvSpPr>
-          <p:cNvPr id="5" name="Footer Placeholder 4">
-            <a:extLst>
-              <a:ext uri="{FF2B5EF4-FFF2-40B4-BE49-F238E27FC236}">
-                <a16:creationId xmlns:a16="http://schemas.microsoft.com/office/drawing/2014/main" id="{4DA5C509-CC76-3B4F-945D-78DF80030F78}"/>
-              </a:ext>
-            </a:extLst>
-          </p:cNvPr>
-          <p:cNvSpPr>
-            <a:spLocks noGrp="1"/>
-          </p:cNvSpPr>
-          <p:nvPr>
-            <p:ph type="ftr" sz="quarter" idx="11"/>
-          </p:nvPr>
-        </p:nvSpPr>
-        <p:spPr/>
-        <p:txBody>
-          <a:bodyPr/>
-          <a:lstStyle/>
-          <a:p>
-            <a:endParaRPr lang="en-US"/>
-          </a:p>
-        </p:txBody>
-      </p:sp>
-      <p:sp>
-        <p:nvSpPr>
-          <p:cNvPr id="6" name="Slide Number Placeholder 5">
-            <a:extLst>
-              <a:ext uri="{FF2B5EF4-FFF2-40B4-BE49-F238E27FC236}">
-                <a16:creationId xmlns:a16="http://schemas.microsoft.com/office/drawing/2014/main" id="{8E4C1D06-3004-254B-B0FE-251E9C7EB7A1}"/>
-              </a:ext>
-            </a:extLst>
-          </p:cNvPr>
-          <p:cNvSpPr>
-            <a:spLocks noGrp="1"/>
-          </p:cNvSpPr>
-          <p:nvPr>
-            <p:ph type="sldNum" sz="quarter" idx="12"/>
-          </p:nvPr>
-        </p:nvSpPr>
-        <p:spPr/>
-        <p:txBody>
-          <a:bodyPr/>
-          <a:lstStyle/>
-          <a:p>
-            <a:fld id="{F34AD779-E2A2-BA43-8C46-0FC13AB1F1AF}" type="slidenum">
-              <a:rPr lang="en-US" smtClean="0"/>
-              <a:t>‹#›</a:t>
-            </a:fld>
-            <a:endParaRPr lang="en-US"/>
-          </a:p>
-        </p:txBody>
-      </p:sp>
     </p:spTree>
     <p:extLst>
       <p:ext uri="{BB962C8B-B14F-4D97-AF65-F5344CB8AC3E}">
@@ -841,89 +591,6 @@
           </a:p>
         </p:txBody>
       </p:sp>
-      <p:sp>
-        <p:nvSpPr>
-          <p:cNvPr id="4" name="Date Placeholder 3">
-            <a:extLst>
-              <a:ext uri="{FF2B5EF4-FFF2-40B4-BE49-F238E27FC236}">
-                <a16:creationId xmlns:a16="http://schemas.microsoft.com/office/drawing/2014/main" id="{BDA40C3D-9301-D44A-893F-18BEB6ED0C56}"/>
-              </a:ext>
-            </a:extLst>
-          </p:cNvPr>
-          <p:cNvSpPr>
-            <a:spLocks noGrp="1"/>
-          </p:cNvSpPr>
-          <p:nvPr>
-            <p:ph type="dt" sz="half" idx="10"/>
-          </p:nvPr>
-        </p:nvSpPr>
-        <p:spPr/>
-        <p:txBody>
-          <a:bodyPr/>
-          <a:lstStyle/>
-          <a:p>
-            <a:fld id="{5C73B5FE-B7A4-5348-9915-7728FCC65B37}" type="datetimeFigureOut">
-              <a:rPr lang="en-US" smtClean="0"/>
-              <a:t>8/30/20</a:t>
-            </a:fld>
-            <a:endParaRPr lang="en-US"/>
-          </a:p>
-        </p:txBody>
-      </p:sp>
-      <p:sp>
-        <p:nvSpPr>
-          <p:cNvPr id="5" name="Footer Placeholder 4">
-            <a:extLst>
-              <a:ext uri="{FF2B5EF4-FFF2-40B4-BE49-F238E27FC236}">
-                <a16:creationId xmlns:a16="http://schemas.microsoft.com/office/drawing/2014/main" id="{EDDCEDB9-ABEF-674E-9071-85C4957D8280}"/>
-              </a:ext>
-            </a:extLst>
-          </p:cNvPr>
-          <p:cNvSpPr>
-            <a:spLocks noGrp="1"/>
-          </p:cNvSpPr>
-          <p:nvPr>
-            <p:ph type="ftr" sz="quarter" idx="11"/>
-          </p:nvPr>
-        </p:nvSpPr>
-        <p:spPr/>
-        <p:txBody>
-          <a:bodyPr/>
-          <a:lstStyle/>
-          <a:p>
-            <a:endParaRPr lang="en-US"/>
-          </a:p>
-        </p:txBody>
-      </p:sp>
-      <p:sp>
-        <p:nvSpPr>
-          <p:cNvPr id="6" name="Slide Number Placeholder 5">
-            <a:extLst>
-              <a:ext uri="{FF2B5EF4-FFF2-40B4-BE49-F238E27FC236}">
-                <a16:creationId xmlns:a16="http://schemas.microsoft.com/office/drawing/2014/main" id="{2CBCE2CE-C97C-8640-9EF8-F043B73C845F}"/>
-              </a:ext>
-            </a:extLst>
-          </p:cNvPr>
-          <p:cNvSpPr>
-            <a:spLocks noGrp="1"/>
-          </p:cNvSpPr>
-          <p:nvPr>
-            <p:ph type="sldNum" sz="quarter" idx="12"/>
-          </p:nvPr>
-        </p:nvSpPr>
-        <p:spPr/>
-        <p:txBody>
-          <a:bodyPr/>
-          <a:lstStyle/>
-          <a:p>
-            <a:fld id="{F34AD779-E2A2-BA43-8C46-0FC13AB1F1AF}" type="slidenum">
-              <a:rPr lang="en-US" smtClean="0"/>
-              <a:t>‹#›</a:t>
-            </a:fld>
-            <a:endParaRPr lang="en-US"/>
-          </a:p>
-        </p:txBody>
-      </p:sp>
     </p:spTree>
     <p:extLst>
       <p:ext uri="{BB962C8B-B14F-4D97-AF65-F5344CB8AC3E}">
@@ -1116,89 +783,6 @@
           </a:p>
         </p:txBody>
       </p:sp>
-      <p:sp>
-        <p:nvSpPr>
-          <p:cNvPr id="4" name="Date Placeholder 3">
-            <a:extLst>
-              <a:ext uri="{FF2B5EF4-FFF2-40B4-BE49-F238E27FC236}">
-                <a16:creationId xmlns:a16="http://schemas.microsoft.com/office/drawing/2014/main" id="{B2B41C1E-52D4-4C44-8788-01AC59CB0A60}"/>
-              </a:ext>
-            </a:extLst>
-          </p:cNvPr>
-          <p:cNvSpPr>
-            <a:spLocks noGrp="1"/>
-          </p:cNvSpPr>
-          <p:nvPr>
-            <p:ph type="dt" sz="half" idx="10"/>
-          </p:nvPr>
-        </p:nvSpPr>
-        <p:spPr/>
-        <p:txBody>
-          <a:bodyPr/>
-          <a:lstStyle/>
-          <a:p>
-            <a:fld id="{5C73B5FE-B7A4-5348-9915-7728FCC65B37}" type="datetimeFigureOut">
-              <a:rPr lang="en-US" smtClean="0"/>
-              <a:t>8/30/20</a:t>
-            </a:fld>
-            <a:endParaRPr lang="en-US"/>
-          </a:p>
-        </p:txBody>
-      </p:sp>
-      <p:sp>
-        <p:nvSpPr>
-          <p:cNvPr id="5" name="Footer Placeholder 4">
-            <a:extLst>
-              <a:ext uri="{FF2B5EF4-FFF2-40B4-BE49-F238E27FC236}">
-                <a16:creationId xmlns:a16="http://schemas.microsoft.com/office/drawing/2014/main" id="{3A7AC093-F802-174F-BA8E-EC3DFC7EE320}"/>
-              </a:ext>
-            </a:extLst>
-          </p:cNvPr>
-          <p:cNvSpPr>
-            <a:spLocks noGrp="1"/>
-          </p:cNvSpPr>
-          <p:nvPr>
-            <p:ph type="ftr" sz="quarter" idx="11"/>
-          </p:nvPr>
-        </p:nvSpPr>
-        <p:spPr/>
-        <p:txBody>
-          <a:bodyPr/>
-          <a:lstStyle/>
-          <a:p>
-            <a:endParaRPr lang="en-US"/>
-          </a:p>
-        </p:txBody>
-      </p:sp>
-      <p:sp>
-        <p:nvSpPr>
-          <p:cNvPr id="6" name="Slide Number Placeholder 5">
-            <a:extLst>
-              <a:ext uri="{FF2B5EF4-FFF2-40B4-BE49-F238E27FC236}">
-                <a16:creationId xmlns:a16="http://schemas.microsoft.com/office/drawing/2014/main" id="{4A0E28D0-7071-BD40-ADEE-E9C1571C11EC}"/>
-              </a:ext>
-            </a:extLst>
-          </p:cNvPr>
-          <p:cNvSpPr>
-            <a:spLocks noGrp="1"/>
-          </p:cNvSpPr>
-          <p:nvPr>
-            <p:ph type="sldNum" sz="quarter" idx="12"/>
-          </p:nvPr>
-        </p:nvSpPr>
-        <p:spPr/>
-        <p:txBody>
-          <a:bodyPr/>
-          <a:lstStyle/>
-          <a:p>
-            <a:fld id="{F34AD779-E2A2-BA43-8C46-0FC13AB1F1AF}" type="slidenum">
-              <a:rPr lang="en-US" smtClean="0"/>
-              <a:t>‹#›</a:t>
-            </a:fld>
-            <a:endParaRPr lang="en-US"/>
-          </a:p>
-        </p:txBody>
-      </p:sp>
     </p:spTree>
     <p:extLst>
       <p:ext uri="{BB962C8B-B14F-4D97-AF65-F5344CB8AC3E}">
@@ -1381,89 +965,6 @@
           </a:p>
         </p:txBody>
       </p:sp>
-      <p:sp>
-        <p:nvSpPr>
-          <p:cNvPr id="5" name="Date Placeholder 4">
-            <a:extLst>
-              <a:ext uri="{FF2B5EF4-FFF2-40B4-BE49-F238E27FC236}">
-                <a16:creationId xmlns:a16="http://schemas.microsoft.com/office/drawing/2014/main" id="{E50598BE-40EB-3E4C-81A0-470BA2B92A3B}"/>
-              </a:ext>
-            </a:extLst>
-          </p:cNvPr>
-          <p:cNvSpPr>
-            <a:spLocks noGrp="1"/>
-          </p:cNvSpPr>
-          <p:nvPr>
-            <p:ph type="dt" sz="half" idx="10"/>
-          </p:nvPr>
-        </p:nvSpPr>
-        <p:spPr/>
-        <p:txBody>
-          <a:bodyPr/>
-          <a:lstStyle/>
-          <a:p>
-            <a:fld id="{5C73B5FE-B7A4-5348-9915-7728FCC65B37}" type="datetimeFigureOut">
-              <a:rPr lang="en-US" smtClean="0"/>
-              <a:t>8/30/20</a:t>
-            </a:fld>
-            <a:endParaRPr lang="en-US"/>
-          </a:p>
-        </p:txBody>
-      </p:sp>
-      <p:sp>
-        <p:nvSpPr>
-          <p:cNvPr id="6" name="Footer Placeholder 5">
-            <a:extLst>
-              <a:ext uri="{FF2B5EF4-FFF2-40B4-BE49-F238E27FC236}">
-                <a16:creationId xmlns:a16="http://schemas.microsoft.com/office/drawing/2014/main" id="{A5B8CCA5-39AF-3745-8C4F-4EEA4DD34450}"/>
-              </a:ext>
-            </a:extLst>
-          </p:cNvPr>
-          <p:cNvSpPr>
-            <a:spLocks noGrp="1"/>
-          </p:cNvSpPr>
-          <p:nvPr>
-            <p:ph type="ftr" sz="quarter" idx="11"/>
-          </p:nvPr>
-        </p:nvSpPr>
-        <p:spPr/>
-        <p:txBody>
-          <a:bodyPr/>
-          <a:lstStyle/>
-          <a:p>
-            <a:endParaRPr lang="en-US"/>
-          </a:p>
-        </p:txBody>
-      </p:sp>
-      <p:sp>
-        <p:nvSpPr>
-          <p:cNvPr id="7" name="Slide Number Placeholder 6">
-            <a:extLst>
-              <a:ext uri="{FF2B5EF4-FFF2-40B4-BE49-F238E27FC236}">
-                <a16:creationId xmlns:a16="http://schemas.microsoft.com/office/drawing/2014/main" id="{C48A4BE5-CDD1-0D46-BA2A-454FBBA96B76}"/>
-              </a:ext>
-            </a:extLst>
-          </p:cNvPr>
-          <p:cNvSpPr>
-            <a:spLocks noGrp="1"/>
-          </p:cNvSpPr>
-          <p:nvPr>
-            <p:ph type="sldNum" sz="quarter" idx="12"/>
-          </p:nvPr>
-        </p:nvSpPr>
-        <p:spPr/>
-        <p:txBody>
-          <a:bodyPr/>
-          <a:lstStyle/>
-          <a:p>
-            <a:fld id="{F34AD779-E2A2-BA43-8C46-0FC13AB1F1AF}" type="slidenum">
-              <a:rPr lang="en-US" smtClean="0"/>
-              <a:t>‹#›</a:t>
-            </a:fld>
-            <a:endParaRPr lang="en-US"/>
-          </a:p>
-        </p:txBody>
-      </p:sp>
     </p:spTree>
     <p:extLst>
       <p:ext uri="{BB962C8B-B14F-4D97-AF65-F5344CB8AC3E}">
@@ -1793,89 +1294,6 @@
           </a:p>
         </p:txBody>
       </p:sp>
-      <p:sp>
-        <p:nvSpPr>
-          <p:cNvPr id="7" name="Date Placeholder 6">
-            <a:extLst>
-              <a:ext uri="{FF2B5EF4-FFF2-40B4-BE49-F238E27FC236}">
-                <a16:creationId xmlns:a16="http://schemas.microsoft.com/office/drawing/2014/main" id="{4614EED0-B2BE-CB4F-9DFC-421B54DF705D}"/>
-              </a:ext>
-            </a:extLst>
-          </p:cNvPr>
-          <p:cNvSpPr>
-            <a:spLocks noGrp="1"/>
-          </p:cNvSpPr>
-          <p:nvPr>
-            <p:ph type="dt" sz="half" idx="10"/>
-          </p:nvPr>
-        </p:nvSpPr>
-        <p:spPr/>
-        <p:txBody>
-          <a:bodyPr/>
-          <a:lstStyle/>
-          <a:p>
-            <a:fld id="{5C73B5FE-B7A4-5348-9915-7728FCC65B37}" type="datetimeFigureOut">
-              <a:rPr lang="en-US" smtClean="0"/>
-              <a:t>8/30/20</a:t>
-            </a:fld>
-            <a:endParaRPr lang="en-US"/>
-          </a:p>
-        </p:txBody>
-      </p:sp>
-      <p:sp>
-        <p:nvSpPr>
-          <p:cNvPr id="8" name="Footer Placeholder 7">
-            <a:extLst>
-              <a:ext uri="{FF2B5EF4-FFF2-40B4-BE49-F238E27FC236}">
-                <a16:creationId xmlns:a16="http://schemas.microsoft.com/office/drawing/2014/main" id="{625C98A4-74EE-3D44-9E7F-4C5536EED44B}"/>
-              </a:ext>
-            </a:extLst>
-          </p:cNvPr>
-          <p:cNvSpPr>
-            <a:spLocks noGrp="1"/>
-          </p:cNvSpPr>
-          <p:nvPr>
-            <p:ph type="ftr" sz="quarter" idx="11"/>
-          </p:nvPr>
-        </p:nvSpPr>
-        <p:spPr/>
-        <p:txBody>
-          <a:bodyPr/>
-          <a:lstStyle/>
-          <a:p>
-            <a:endParaRPr lang="en-US"/>
-          </a:p>
-        </p:txBody>
-      </p:sp>
-      <p:sp>
-        <p:nvSpPr>
-          <p:cNvPr id="9" name="Slide Number Placeholder 8">
-            <a:extLst>
-              <a:ext uri="{FF2B5EF4-FFF2-40B4-BE49-F238E27FC236}">
-                <a16:creationId xmlns:a16="http://schemas.microsoft.com/office/drawing/2014/main" id="{26513C77-16EC-2746-B0DD-DEFBEF4F39DB}"/>
-              </a:ext>
-            </a:extLst>
-          </p:cNvPr>
-          <p:cNvSpPr>
-            <a:spLocks noGrp="1"/>
-          </p:cNvSpPr>
-          <p:nvPr>
-            <p:ph type="sldNum" sz="quarter" idx="12"/>
-          </p:nvPr>
-        </p:nvSpPr>
-        <p:spPr/>
-        <p:txBody>
-          <a:bodyPr/>
-          <a:lstStyle/>
-          <a:p>
-            <a:fld id="{F34AD779-E2A2-BA43-8C46-0FC13AB1F1AF}" type="slidenum">
-              <a:rPr lang="en-US" smtClean="0"/>
-              <a:t>‹#›</a:t>
-            </a:fld>
-            <a:endParaRPr lang="en-US"/>
-          </a:p>
-        </p:txBody>
-      </p:sp>
     </p:spTree>
     <p:extLst>
       <p:ext uri="{BB962C8B-B14F-4D97-AF65-F5344CB8AC3E}">
@@ -1934,89 +1352,6 @@
           </a:p>
         </p:txBody>
       </p:sp>
-      <p:sp>
-        <p:nvSpPr>
-          <p:cNvPr id="3" name="Date Placeholder 2">
-            <a:extLst>
-              <a:ext uri="{FF2B5EF4-FFF2-40B4-BE49-F238E27FC236}">
-                <a16:creationId xmlns:a16="http://schemas.microsoft.com/office/drawing/2014/main" id="{6E7C655F-C05F-6242-A001-07E7D912204D}"/>
-              </a:ext>
-            </a:extLst>
-          </p:cNvPr>
-          <p:cNvSpPr>
-            <a:spLocks noGrp="1"/>
-          </p:cNvSpPr>
-          <p:nvPr>
-            <p:ph type="dt" sz="half" idx="10"/>
-          </p:nvPr>
-        </p:nvSpPr>
-        <p:spPr/>
-        <p:txBody>
-          <a:bodyPr/>
-          <a:lstStyle/>
-          <a:p>
-            <a:fld id="{5C73B5FE-B7A4-5348-9915-7728FCC65B37}" type="datetimeFigureOut">
-              <a:rPr lang="en-US" smtClean="0"/>
-              <a:t>8/30/20</a:t>
-            </a:fld>
-            <a:endParaRPr lang="en-US"/>
-          </a:p>
-        </p:txBody>
-      </p:sp>
-      <p:sp>
-        <p:nvSpPr>
-          <p:cNvPr id="4" name="Footer Placeholder 3">
-            <a:extLst>
-              <a:ext uri="{FF2B5EF4-FFF2-40B4-BE49-F238E27FC236}">
-                <a16:creationId xmlns:a16="http://schemas.microsoft.com/office/drawing/2014/main" id="{598BB2D9-F1D6-2841-99D7-5CC508BB284A}"/>
-              </a:ext>
-            </a:extLst>
-          </p:cNvPr>
-          <p:cNvSpPr>
-            <a:spLocks noGrp="1"/>
-          </p:cNvSpPr>
-          <p:nvPr>
-            <p:ph type="ftr" sz="quarter" idx="11"/>
-          </p:nvPr>
-        </p:nvSpPr>
-        <p:spPr/>
-        <p:txBody>
-          <a:bodyPr/>
-          <a:lstStyle/>
-          <a:p>
-            <a:endParaRPr lang="en-US"/>
-          </a:p>
-        </p:txBody>
-      </p:sp>
-      <p:sp>
-        <p:nvSpPr>
-          <p:cNvPr id="5" name="Slide Number Placeholder 4">
-            <a:extLst>
-              <a:ext uri="{FF2B5EF4-FFF2-40B4-BE49-F238E27FC236}">
-                <a16:creationId xmlns:a16="http://schemas.microsoft.com/office/drawing/2014/main" id="{4A76ECF4-F8B7-2C44-B17C-C2F7D2D93655}"/>
-              </a:ext>
-            </a:extLst>
-          </p:cNvPr>
-          <p:cNvSpPr>
-            <a:spLocks noGrp="1"/>
-          </p:cNvSpPr>
-          <p:nvPr>
-            <p:ph type="sldNum" sz="quarter" idx="12"/>
-          </p:nvPr>
-        </p:nvSpPr>
-        <p:spPr/>
-        <p:txBody>
-          <a:bodyPr/>
-          <a:lstStyle/>
-          <a:p>
-            <a:fld id="{F34AD779-E2A2-BA43-8C46-0FC13AB1F1AF}" type="slidenum">
-              <a:rPr lang="en-US" smtClean="0"/>
-              <a:t>‹#›</a:t>
-            </a:fld>
-            <a:endParaRPr lang="en-US"/>
-          </a:p>
-        </p:txBody>
-      </p:sp>
     </p:spTree>
     <p:extLst>
       <p:ext uri="{BB962C8B-B14F-4D97-AF65-F5344CB8AC3E}">
@@ -2047,89 +1382,6 @@
           <a:chExt cx="0" cy="0"/>
         </a:xfrm>
       </p:grpSpPr>
-      <p:sp>
-        <p:nvSpPr>
-          <p:cNvPr id="2" name="Date Placeholder 1">
-            <a:extLst>
-              <a:ext uri="{FF2B5EF4-FFF2-40B4-BE49-F238E27FC236}">
-                <a16:creationId xmlns:a16="http://schemas.microsoft.com/office/drawing/2014/main" id="{98F35AA8-DA21-2646-A6E6-4C4DF66961CD}"/>
-              </a:ext>
-            </a:extLst>
-          </p:cNvPr>
-          <p:cNvSpPr>
-            <a:spLocks noGrp="1"/>
-          </p:cNvSpPr>
-          <p:nvPr>
-            <p:ph type="dt" sz="half" idx="10"/>
-          </p:nvPr>
-        </p:nvSpPr>
-        <p:spPr/>
-        <p:txBody>
-          <a:bodyPr/>
-          <a:lstStyle/>
-          <a:p>
-            <a:fld id="{5C73B5FE-B7A4-5348-9915-7728FCC65B37}" type="datetimeFigureOut">
-              <a:rPr lang="en-US" smtClean="0"/>
-              <a:t>8/30/20</a:t>
-            </a:fld>
-            <a:endParaRPr lang="en-US"/>
-          </a:p>
-        </p:txBody>
-      </p:sp>
-      <p:sp>
-        <p:nvSpPr>
-          <p:cNvPr id="3" name="Footer Placeholder 2">
-            <a:extLst>
-              <a:ext uri="{FF2B5EF4-FFF2-40B4-BE49-F238E27FC236}">
-                <a16:creationId xmlns:a16="http://schemas.microsoft.com/office/drawing/2014/main" id="{51057568-F6B8-5A47-AC19-8C14138E8948}"/>
-              </a:ext>
-            </a:extLst>
-          </p:cNvPr>
-          <p:cNvSpPr>
-            <a:spLocks noGrp="1"/>
-          </p:cNvSpPr>
-          <p:nvPr>
-            <p:ph type="ftr" sz="quarter" idx="11"/>
-          </p:nvPr>
-        </p:nvSpPr>
-        <p:spPr/>
-        <p:txBody>
-          <a:bodyPr/>
-          <a:lstStyle/>
-          <a:p>
-            <a:endParaRPr lang="en-US"/>
-          </a:p>
-        </p:txBody>
-      </p:sp>
-      <p:sp>
-        <p:nvSpPr>
-          <p:cNvPr id="4" name="Slide Number Placeholder 3">
-            <a:extLst>
-              <a:ext uri="{FF2B5EF4-FFF2-40B4-BE49-F238E27FC236}">
-                <a16:creationId xmlns:a16="http://schemas.microsoft.com/office/drawing/2014/main" id="{8268F745-F000-554D-9B7E-BDC1CF9D24A4}"/>
-              </a:ext>
-            </a:extLst>
-          </p:cNvPr>
-          <p:cNvSpPr>
-            <a:spLocks noGrp="1"/>
-          </p:cNvSpPr>
-          <p:nvPr>
-            <p:ph type="sldNum" sz="quarter" idx="12"/>
-          </p:nvPr>
-        </p:nvSpPr>
-        <p:spPr/>
-        <p:txBody>
-          <a:bodyPr/>
-          <a:lstStyle/>
-          <a:p>
-            <a:fld id="{F34AD779-E2A2-BA43-8C46-0FC13AB1F1AF}" type="slidenum">
-              <a:rPr lang="en-US" smtClean="0"/>
-              <a:t>‹#›</a:t>
-            </a:fld>
-            <a:endParaRPr lang="en-US"/>
-          </a:p>
-        </p:txBody>
-      </p:sp>
     </p:spTree>
     <p:extLst>
       <p:ext uri="{BB962C8B-B14F-4D97-AF65-F5344CB8AC3E}">
@@ -2358,89 +1610,6 @@
           </a:p>
         </p:txBody>
       </p:sp>
-      <p:sp>
-        <p:nvSpPr>
-          <p:cNvPr id="5" name="Date Placeholder 4">
-            <a:extLst>
-              <a:ext uri="{FF2B5EF4-FFF2-40B4-BE49-F238E27FC236}">
-                <a16:creationId xmlns:a16="http://schemas.microsoft.com/office/drawing/2014/main" id="{84C442B7-7833-5640-8634-F8147487E679}"/>
-              </a:ext>
-            </a:extLst>
-          </p:cNvPr>
-          <p:cNvSpPr>
-            <a:spLocks noGrp="1"/>
-          </p:cNvSpPr>
-          <p:nvPr>
-            <p:ph type="dt" sz="half" idx="10"/>
-          </p:nvPr>
-        </p:nvSpPr>
-        <p:spPr/>
-        <p:txBody>
-          <a:bodyPr/>
-          <a:lstStyle/>
-          <a:p>
-            <a:fld id="{5C73B5FE-B7A4-5348-9915-7728FCC65B37}" type="datetimeFigureOut">
-              <a:rPr lang="en-US" smtClean="0"/>
-              <a:t>8/30/20</a:t>
-            </a:fld>
-            <a:endParaRPr lang="en-US"/>
-          </a:p>
-        </p:txBody>
-      </p:sp>
-      <p:sp>
-        <p:nvSpPr>
-          <p:cNvPr id="6" name="Footer Placeholder 5">
-            <a:extLst>
-              <a:ext uri="{FF2B5EF4-FFF2-40B4-BE49-F238E27FC236}">
-                <a16:creationId xmlns:a16="http://schemas.microsoft.com/office/drawing/2014/main" id="{463578A2-6C89-4648-99BC-EB679C2978C5}"/>
-              </a:ext>
-            </a:extLst>
-          </p:cNvPr>
-          <p:cNvSpPr>
-            <a:spLocks noGrp="1"/>
-          </p:cNvSpPr>
-          <p:nvPr>
-            <p:ph type="ftr" sz="quarter" idx="11"/>
-          </p:nvPr>
-        </p:nvSpPr>
-        <p:spPr/>
-        <p:txBody>
-          <a:bodyPr/>
-          <a:lstStyle/>
-          <a:p>
-            <a:endParaRPr lang="en-US"/>
-          </a:p>
-        </p:txBody>
-      </p:sp>
-      <p:sp>
-        <p:nvSpPr>
-          <p:cNvPr id="7" name="Slide Number Placeholder 6">
-            <a:extLst>
-              <a:ext uri="{FF2B5EF4-FFF2-40B4-BE49-F238E27FC236}">
-                <a16:creationId xmlns:a16="http://schemas.microsoft.com/office/drawing/2014/main" id="{F4C24EB4-8F89-C543-970C-60459166855C}"/>
-              </a:ext>
-            </a:extLst>
-          </p:cNvPr>
-          <p:cNvSpPr>
-            <a:spLocks noGrp="1"/>
-          </p:cNvSpPr>
-          <p:nvPr>
-            <p:ph type="sldNum" sz="quarter" idx="12"/>
-          </p:nvPr>
-        </p:nvSpPr>
-        <p:spPr/>
-        <p:txBody>
-          <a:bodyPr/>
-          <a:lstStyle/>
-          <a:p>
-            <a:fld id="{F34AD779-E2A2-BA43-8C46-0FC13AB1F1AF}" type="slidenum">
-              <a:rPr lang="en-US" smtClean="0"/>
-              <a:t>‹#›</a:t>
-            </a:fld>
-            <a:endParaRPr lang="en-US"/>
-          </a:p>
-        </p:txBody>
-      </p:sp>
     </p:spTree>
     <p:extLst>
       <p:ext uri="{BB962C8B-B14F-4D97-AF65-F5344CB8AC3E}">
@@ -2646,89 +1815,6 @@
               <a:rPr lang="en-US"/>
               <a:t>Edit Master text styles</a:t>
             </a:r>
-          </a:p>
-        </p:txBody>
-      </p:sp>
-      <p:sp>
-        <p:nvSpPr>
-          <p:cNvPr id="5" name="Date Placeholder 4">
-            <a:extLst>
-              <a:ext uri="{FF2B5EF4-FFF2-40B4-BE49-F238E27FC236}">
-                <a16:creationId xmlns:a16="http://schemas.microsoft.com/office/drawing/2014/main" id="{99E5F71D-846D-8243-84C9-1903615ECE6F}"/>
-              </a:ext>
-            </a:extLst>
-          </p:cNvPr>
-          <p:cNvSpPr>
-            <a:spLocks noGrp="1"/>
-          </p:cNvSpPr>
-          <p:nvPr>
-            <p:ph type="dt" sz="half" idx="10"/>
-          </p:nvPr>
-        </p:nvSpPr>
-        <p:spPr/>
-        <p:txBody>
-          <a:bodyPr/>
-          <a:lstStyle/>
-          <a:p>
-            <a:fld id="{5C73B5FE-B7A4-5348-9915-7728FCC65B37}" type="datetimeFigureOut">
-              <a:rPr lang="en-US" smtClean="0"/>
-              <a:t>8/30/20</a:t>
-            </a:fld>
-            <a:endParaRPr lang="en-US"/>
-          </a:p>
-        </p:txBody>
-      </p:sp>
-      <p:sp>
-        <p:nvSpPr>
-          <p:cNvPr id="6" name="Footer Placeholder 5">
-            <a:extLst>
-              <a:ext uri="{FF2B5EF4-FFF2-40B4-BE49-F238E27FC236}">
-                <a16:creationId xmlns:a16="http://schemas.microsoft.com/office/drawing/2014/main" id="{26BD0B1F-1339-BB41-86BE-2C80BC235557}"/>
-              </a:ext>
-            </a:extLst>
-          </p:cNvPr>
-          <p:cNvSpPr>
-            <a:spLocks noGrp="1"/>
-          </p:cNvSpPr>
-          <p:nvPr>
-            <p:ph type="ftr" sz="quarter" idx="11"/>
-          </p:nvPr>
-        </p:nvSpPr>
-        <p:spPr/>
-        <p:txBody>
-          <a:bodyPr/>
-          <a:lstStyle/>
-          <a:p>
-            <a:endParaRPr lang="en-US"/>
-          </a:p>
-        </p:txBody>
-      </p:sp>
-      <p:sp>
-        <p:nvSpPr>
-          <p:cNvPr id="7" name="Slide Number Placeholder 6">
-            <a:extLst>
-              <a:ext uri="{FF2B5EF4-FFF2-40B4-BE49-F238E27FC236}">
-                <a16:creationId xmlns:a16="http://schemas.microsoft.com/office/drawing/2014/main" id="{BCED36AF-14E8-B64E-8A0D-A2F514CEC5FA}"/>
-              </a:ext>
-            </a:extLst>
-          </p:cNvPr>
-          <p:cNvSpPr>
-            <a:spLocks noGrp="1"/>
-          </p:cNvSpPr>
-          <p:nvPr>
-            <p:ph type="sldNum" sz="quarter" idx="12"/>
-          </p:nvPr>
-        </p:nvSpPr>
-        <p:spPr/>
-        <p:txBody>
-          <a:bodyPr/>
-          <a:lstStyle/>
-          <a:p>
-            <a:fld id="{F34AD779-E2A2-BA43-8C46-0FC13AB1F1AF}" type="slidenum">
-              <a:rPr lang="en-US" smtClean="0"/>
-              <a:t>‹#›</a:t>
-            </a:fld>
-            <a:endParaRPr lang="en-US"/>
           </a:p>
         </p:txBody>
       </p:sp>
@@ -2872,153 +1958,6 @@
           </a:p>
         </p:txBody>
       </p:sp>
-      <p:sp>
-        <p:nvSpPr>
-          <p:cNvPr id="4" name="Date Placeholder 3">
-            <a:extLst>
-              <a:ext uri="{FF2B5EF4-FFF2-40B4-BE49-F238E27FC236}">
-                <a16:creationId xmlns:a16="http://schemas.microsoft.com/office/drawing/2014/main" id="{BABF0188-D249-2B4A-9BCE-DEF498333322}"/>
-              </a:ext>
-            </a:extLst>
-          </p:cNvPr>
-          <p:cNvSpPr>
-            <a:spLocks noGrp="1"/>
-          </p:cNvSpPr>
-          <p:nvPr>
-            <p:ph type="dt" sz="half" idx="2"/>
-          </p:nvPr>
-        </p:nvSpPr>
-        <p:spPr>
-          <a:xfrm>
-            <a:off x="838200" y="6356350"/>
-            <a:ext cx="2743200" cy="365125"/>
-          </a:xfrm>
-          <a:prstGeom prst="rect">
-            <a:avLst/>
-          </a:prstGeom>
-        </p:spPr>
-        <p:txBody>
-          <a:bodyPr vert="horz" lIns="91440" tIns="45720" rIns="91440" bIns="45720" rtlCol="0" anchor="ctr"/>
-          <a:lstStyle>
-            <a:lvl1pPr algn="l">
-              <a:defRPr sz="1200">
-                <a:solidFill>
-                  <a:schemeClr val="tx1">
-                    <a:tint val="75000"/>
-                  </a:schemeClr>
-                </a:solidFill>
-              </a:defRPr>
-            </a:lvl1pPr>
-          </a:lstStyle>
-          <a:p>
-            <a:fld id="{5C73B5FE-B7A4-5348-9915-7728FCC65B37}" type="datetimeFigureOut">
-              <a:rPr lang="en-US" smtClean="0"/>
-              <a:t>8/30/20</a:t>
-            </a:fld>
-            <a:endParaRPr lang="en-US"/>
-          </a:p>
-        </p:txBody>
-      </p:sp>
-      <p:sp>
-        <p:nvSpPr>
-          <p:cNvPr id="5" name="Footer Placeholder 4">
-            <a:extLst>
-              <a:ext uri="{FF2B5EF4-FFF2-40B4-BE49-F238E27FC236}">
-                <a16:creationId xmlns:a16="http://schemas.microsoft.com/office/drawing/2014/main" id="{B015AC77-EB81-E44A-A31E-CE6C00657074}"/>
-              </a:ext>
-            </a:extLst>
-          </p:cNvPr>
-          <p:cNvSpPr>
-            <a:spLocks noGrp="1"/>
-          </p:cNvSpPr>
-          <p:nvPr>
-            <p:ph type="ftr" sz="quarter" idx="3"/>
-          </p:nvPr>
-        </p:nvSpPr>
-        <p:spPr>
-          <a:xfrm>
-            <a:off x="4038600" y="6356350"/>
-            <a:ext cx="4114800" cy="365125"/>
-          </a:xfrm>
-          <a:prstGeom prst="rect">
-            <a:avLst/>
-          </a:prstGeom>
-        </p:spPr>
-        <p:txBody>
-          <a:bodyPr vert="horz" lIns="91440" tIns="45720" rIns="91440" bIns="45720" rtlCol="0" anchor="ctr"/>
-          <a:lstStyle>
-            <a:lvl1pPr algn="ctr">
-              <a:defRPr sz="1200">
-                <a:solidFill>
-                  <a:schemeClr val="tx1">
-                    <a:tint val="75000"/>
-                  </a:schemeClr>
-                </a:solidFill>
-              </a:defRPr>
-            </a:lvl1pPr>
-          </a:lstStyle>
-          <a:p>
-            <a:r>
-              <a:rPr lang="en-IN" dirty="0">
-                <a:hlinkClick r:id="rId13"/>
-              </a:rPr>
-              <a:t>https://royforge.github.io/</a:t>
-            </a:r>
-            <a:r>
-              <a:rPr lang="en-IN" dirty="0"/>
-              <a:t> </a:t>
-            </a:r>
-            <a:endParaRPr lang="en-US" dirty="0"/>
-          </a:p>
-        </p:txBody>
-      </p:sp>
-      <p:sp>
-        <p:nvSpPr>
-          <p:cNvPr id="6" name="Slide Number Placeholder 5">
-            <a:extLst>
-              <a:ext uri="{FF2B5EF4-FFF2-40B4-BE49-F238E27FC236}">
-                <a16:creationId xmlns:a16="http://schemas.microsoft.com/office/drawing/2014/main" id="{B199EB89-8023-5C4F-8F98-C1A44846F449}"/>
-              </a:ext>
-            </a:extLst>
-          </p:cNvPr>
-          <p:cNvSpPr>
-            <a:spLocks noGrp="1"/>
-          </p:cNvSpPr>
-          <p:nvPr>
-            <p:ph type="sldNum" sz="quarter" idx="4"/>
-          </p:nvPr>
-        </p:nvSpPr>
-        <p:spPr>
-          <a:xfrm>
-            <a:off x="8610600" y="6356350"/>
-            <a:ext cx="2743200" cy="365125"/>
-          </a:xfrm>
-          <a:prstGeom prst="rect">
-            <a:avLst/>
-          </a:prstGeom>
-        </p:spPr>
-        <p:txBody>
-          <a:bodyPr vert="horz" lIns="91440" tIns="45720" rIns="91440" bIns="45720" rtlCol="0" anchor="ctr"/>
-          <a:lstStyle>
-            <a:lvl1pPr algn="r">
-              <a:defRPr sz="1200">
-                <a:solidFill>
-                  <a:schemeClr val="tx1">
-                    <a:tint val="75000"/>
-                  </a:schemeClr>
-                </a:solidFill>
-              </a:defRPr>
-            </a:lvl1pPr>
-          </a:lstStyle>
-          <a:p>
-            <a:fld id="{F34AD779-E2A2-BA43-8C46-0FC13AB1F1AF}" type="slidenum">
-              <a:rPr lang="en-US" smtClean="0"/>
-              <a:t>‹#›</a:t>
-            </a:fld>
-            <a:endParaRPr lang="en-US"/>
-          </a:p>
-        </p:txBody>
-      </p:sp>
       <p:pic>
         <p:nvPicPr>
           <p:cNvPr id="8" name="Picture 7">
@@ -3034,7 +1973,7 @@
           <p:nvPr userDrawn="1"/>
         </p:nvPicPr>
         <p:blipFill>
-          <a:blip r:embed="rId14"/>
+          <a:blip r:embed="rId13"/>
           <a:stretch>
             <a:fillRect/>
           </a:stretch>
@@ -3049,6 +1988,45 @@
           </a:prstGeom>
         </p:spPr>
       </p:pic>
+      <p:sp>
+        <p:nvSpPr>
+          <p:cNvPr id="7" name="TextBox 6">
+            <a:extLst>
+              <a:ext uri="{FF2B5EF4-FFF2-40B4-BE49-F238E27FC236}">
+                <a16:creationId xmlns:a16="http://schemas.microsoft.com/office/drawing/2014/main" id="{A864A846-AB30-9343-BE87-632FAC8BBFE5}"/>
+              </a:ext>
+            </a:extLst>
+          </p:cNvPr>
+          <p:cNvSpPr txBox="1"/>
+          <p:nvPr userDrawn="1"/>
+        </p:nvSpPr>
+        <p:spPr>
+          <a:xfrm rot="16200000">
+            <a:off x="-985619" y="3234050"/>
+            <a:ext cx="2654053" cy="369332"/>
+          </a:xfrm>
+          <a:prstGeom prst="rect">
+            <a:avLst/>
+          </a:prstGeom>
+          <a:noFill/>
+        </p:spPr>
+        <p:txBody>
+          <a:bodyPr wrap="square" rtlCol="0">
+            <a:spAutoFit/>
+          </a:bodyPr>
+          <a:lstStyle/>
+          <a:p>
+            <a:r>
+              <a:rPr lang="en-US" b="1" dirty="0">
+                <a:solidFill>
+                  <a:srgbClr val="77A7FA"/>
+                </a:solidFill>
+              </a:rPr>
+              <a:t>https://royforge.github.io</a:t>
+            </a:r>
+          </a:p>
+        </p:txBody>
+      </p:sp>
     </p:spTree>
     <p:extLst>
       <p:ext uri="{BB962C8B-B14F-4D97-AF65-F5344CB8AC3E}">
@@ -3350,6 +2328,22 @@
       </a:lvl9pPr>
     </p:otherStyle>
   </p:txStyles>
+  <p:extLst>
+    <p:ext uri="{27BBF7A9-308A-43DC-89C8-2F10F3537804}">
+      <p15:sldGuideLst xmlns:p15="http://schemas.microsoft.com/office/powerpoint/2012/main">
+        <p15:guide id="1" orient="horz" pos="2160" userDrawn="1">
+          <p15:clr>
+            <a:srgbClr val="F26B43"/>
+          </p15:clr>
+        </p15:guide>
+        <p15:guide id="2" pos="3840" userDrawn="1">
+          <p15:clr>
+            <a:srgbClr val="F26B43"/>
+          </p15:clr>
+        </p15:guide>
+      </p15:sldGuideLst>
+    </p:ext>
+  </p:extLst>
 </p:sldMaster>
 </file>
 
@@ -3370,269 +2364,10 @@
           <a:chExt cx="0" cy="0"/>
         </a:xfrm>
       </p:grpSpPr>
-      <p:sp>
-        <p:nvSpPr>
-          <p:cNvPr id="2" name="Title 1">
-            <a:extLst>
-              <a:ext uri="{FF2B5EF4-FFF2-40B4-BE49-F238E27FC236}">
-                <a16:creationId xmlns:a16="http://schemas.microsoft.com/office/drawing/2014/main" id="{74FC631A-343C-7F43-99F6-3356FA2963E7}"/>
-              </a:ext>
-            </a:extLst>
-          </p:cNvPr>
-          <p:cNvSpPr>
-            <a:spLocks noGrp="1"/>
-          </p:cNvSpPr>
-          <p:nvPr>
-            <p:ph type="ctrTitle"/>
-          </p:nvPr>
-        </p:nvSpPr>
-        <p:spPr/>
-        <p:txBody>
-          <a:bodyPr/>
-          <a:lstStyle/>
-          <a:p>
-            <a:r>
-              <a:rPr lang="en-US" b="1" dirty="0" err="1"/>
-              <a:t>royforge</a:t>
-            </a:r>
-            <a:endParaRPr lang="en-US" dirty="0"/>
-          </a:p>
-        </p:txBody>
-      </p:sp>
-      <p:sp>
-        <p:nvSpPr>
-          <p:cNvPr id="3" name="Subtitle 2">
-            <a:extLst>
-              <a:ext uri="{FF2B5EF4-FFF2-40B4-BE49-F238E27FC236}">
-                <a16:creationId xmlns:a16="http://schemas.microsoft.com/office/drawing/2014/main" id="{CF1B0F90-1DF7-B347-9779-2A839AB094F1}"/>
-              </a:ext>
-            </a:extLst>
-          </p:cNvPr>
-          <p:cNvSpPr>
-            <a:spLocks noGrp="1"/>
-          </p:cNvSpPr>
-          <p:nvPr>
-            <p:ph type="subTitle" idx="1"/>
-          </p:nvPr>
-        </p:nvSpPr>
-        <p:spPr/>
-        <p:txBody>
-          <a:bodyPr/>
-          <a:lstStyle/>
-          <a:p>
-            <a:endParaRPr lang="en-IN" dirty="0">
-              <a:hlinkClick r:id="rId2"/>
-            </a:endParaRPr>
-          </a:p>
-          <a:p>
-            <a:endParaRPr lang="en-IN" sz="100" dirty="0">
-              <a:hlinkClick r:id="rId2"/>
-            </a:endParaRPr>
-          </a:p>
-          <a:p>
-            <a:r>
-              <a:rPr lang="en-IN" dirty="0">
-                <a:hlinkClick r:id="rId2"/>
-              </a:rPr>
-              <a:t>https://royforge.github.io/</a:t>
-            </a:r>
-            <a:endParaRPr lang="en-US" dirty="0"/>
-          </a:p>
-          <a:p>
-            <a:endParaRPr lang="en-US" dirty="0"/>
-          </a:p>
-        </p:txBody>
-      </p:sp>
-      <p:pic>
-        <p:nvPicPr>
-          <p:cNvPr id="4" name="Picture 3">
-            <a:extLst>
-              <a:ext uri="{FF2B5EF4-FFF2-40B4-BE49-F238E27FC236}">
-                <a16:creationId xmlns:a16="http://schemas.microsoft.com/office/drawing/2014/main" id="{9CC1F145-48DF-864E-9D9F-9B8CB8FD6D93}"/>
-              </a:ext>
-            </a:extLst>
-          </p:cNvPr>
-          <p:cNvPicPr>
-            <a:picLocks noChangeAspect="1"/>
-          </p:cNvPicPr>
-          <p:nvPr/>
-        </p:nvPicPr>
-        <p:blipFill>
-          <a:blip r:embed="rId3"/>
-          <a:stretch>
-            <a:fillRect/>
-          </a:stretch>
-        </p:blipFill>
-        <p:spPr>
-          <a:xfrm>
-            <a:off x="3188652" y="1070607"/>
-            <a:ext cx="3175000" cy="3175000"/>
-          </a:xfrm>
-          <a:prstGeom prst="rect">
-            <a:avLst/>
-          </a:prstGeom>
-        </p:spPr>
-      </p:pic>
     </p:spTree>
     <p:extLst>
       <p:ext uri="{BB962C8B-B14F-4D97-AF65-F5344CB8AC3E}">
-        <p14:creationId xmlns:p14="http://schemas.microsoft.com/office/powerpoint/2010/main" val="2931601365"/>
-      </p:ext>
-    </p:extLst>
-  </p:cSld>
-  <p:clrMapOvr>
-    <a:masterClrMapping/>
-  </p:clrMapOvr>
-</p:sld>
-</file>
-
-<file path=ppt/slides/slide2.xml><?xml version="1.0" encoding="utf-8"?>
-<p:sld xmlns:a="http://schemas.openxmlformats.org/drawingml/2006/main" xmlns:r="http://schemas.openxmlformats.org/officeDocument/2006/relationships" xmlns:p="http://schemas.openxmlformats.org/presentationml/2006/main">
-  <p:cSld>
-    <p:spTree>
-      <p:nvGrpSpPr>
-        <p:cNvPr id="1" name=""/>
-        <p:cNvGrpSpPr/>
-        <p:nvPr/>
-      </p:nvGrpSpPr>
-      <p:grpSpPr>
-        <a:xfrm>
-          <a:off x="0" y="0"/>
-          <a:ext cx="0" cy="0"/>
-          <a:chOff x="0" y="0"/>
-          <a:chExt cx="0" cy="0"/>
-        </a:xfrm>
-      </p:grpSpPr>
-      <p:pic>
-        <p:nvPicPr>
-          <p:cNvPr id="3" name="Picture 2">
-            <a:extLst>
-              <a:ext uri="{FF2B5EF4-FFF2-40B4-BE49-F238E27FC236}">
-                <a16:creationId xmlns:a16="http://schemas.microsoft.com/office/drawing/2014/main" id="{9963F87D-ACC4-1C45-B6B0-6C36160A166B}"/>
-              </a:ext>
-            </a:extLst>
-          </p:cNvPr>
-          <p:cNvPicPr>
-            <a:picLocks noChangeAspect="1"/>
-          </p:cNvPicPr>
-          <p:nvPr/>
-        </p:nvPicPr>
-        <p:blipFill>
-          <a:blip r:embed="rId2"/>
-          <a:stretch>
-            <a:fillRect/>
-          </a:stretch>
-        </p:blipFill>
-        <p:spPr>
-          <a:xfrm>
-            <a:off x="3673784" y="482174"/>
-            <a:ext cx="4434436" cy="4434436"/>
-          </a:xfrm>
-          <a:prstGeom prst="rect">
-            <a:avLst/>
-          </a:prstGeom>
-        </p:spPr>
-      </p:pic>
-      <p:sp>
-        <p:nvSpPr>
-          <p:cNvPr id="4" name="TextBox 3">
-            <a:extLst>
-              <a:ext uri="{FF2B5EF4-FFF2-40B4-BE49-F238E27FC236}">
-                <a16:creationId xmlns:a16="http://schemas.microsoft.com/office/drawing/2014/main" id="{9C6A3245-9249-AF42-9F58-44679EF031AC}"/>
-              </a:ext>
-            </a:extLst>
-          </p:cNvPr>
-          <p:cNvSpPr txBox="1"/>
-          <p:nvPr/>
-        </p:nvSpPr>
-        <p:spPr>
-          <a:xfrm>
-            <a:off x="3237743" y="4932706"/>
-            <a:ext cx="5306517" cy="1323439"/>
-          </a:xfrm>
-          <a:prstGeom prst="rect">
-            <a:avLst/>
-          </a:prstGeom>
-          <a:noFill/>
-        </p:spPr>
-        <p:txBody>
-          <a:bodyPr wrap="none" rtlCol="0">
-            <a:spAutoFit/>
-          </a:bodyPr>
-          <a:lstStyle/>
-          <a:p>
-            <a:r>
-              <a:rPr lang="en-US" sz="4000" dirty="0">
-                <a:solidFill>
-                  <a:schemeClr val="tx1">
-                    <a:lumMod val="65000"/>
-                    <a:lumOff val="35000"/>
-                  </a:schemeClr>
-                </a:solidFill>
-              </a:rPr>
-              <a:t>Presented By :  Trina Roy</a:t>
-            </a:r>
-          </a:p>
-          <a:p>
-            <a:r>
-              <a:rPr lang="en-US" sz="4000" dirty="0">
-                <a:solidFill>
-                  <a:schemeClr val="tx1">
-                    <a:lumMod val="65000"/>
-                    <a:lumOff val="35000"/>
-                  </a:schemeClr>
-                </a:solidFill>
-              </a:rPr>
-              <a:t>                            </a:t>
-            </a:r>
-            <a:r>
-              <a:rPr lang="hi-IN" sz="4000" dirty="0">
-                <a:solidFill>
-                  <a:schemeClr val="tx1">
-                    <a:lumMod val="65000"/>
-                    <a:lumOff val="35000"/>
-                  </a:schemeClr>
-                </a:solidFill>
-              </a:rPr>
-              <a:t>त्रिना</a:t>
-            </a:r>
-            <a:r>
-              <a:rPr lang="en-US" sz="4000" dirty="0">
-                <a:solidFill>
-                  <a:schemeClr val="tx1">
-                    <a:lumMod val="65000"/>
-                    <a:lumOff val="35000"/>
-                  </a:schemeClr>
-                </a:solidFill>
-              </a:rPr>
-              <a:t> </a:t>
-            </a:r>
-            <a:r>
-              <a:rPr lang="hi-IN" sz="4000" dirty="0">
-                <a:solidFill>
-                  <a:schemeClr val="tx1">
-                    <a:lumMod val="65000"/>
-                    <a:lumOff val="35000"/>
-                  </a:schemeClr>
-                </a:solidFill>
-              </a:rPr>
-              <a:t>रॉय</a:t>
-            </a:r>
-            <a:endParaRPr lang="en-US" sz="4000" dirty="0">
-              <a:solidFill>
-                <a:schemeClr val="tx1">
-                  <a:lumMod val="65000"/>
-                  <a:lumOff val="35000"/>
-                </a:schemeClr>
-              </a:solidFill>
-            </a:endParaRPr>
-          </a:p>
-        </p:txBody>
-      </p:sp>
-    </p:spTree>
-    <p:extLst>
-      <p:ext uri="{BB962C8B-B14F-4D97-AF65-F5344CB8AC3E}">
-        <p14:creationId xmlns:p14="http://schemas.microsoft.com/office/powerpoint/2010/main" val="3606812260"/>
+        <p14:creationId xmlns:p14="http://schemas.microsoft.com/office/powerpoint/2010/main" val="4235249662"/>
       </p:ext>
     </p:extLst>
   </p:cSld>
